--- a/2020/Do Backend ao Frontend com Horse e Angular.pptx
+++ b/2020/Do Backend ao Frontend com Horse e Angular.pptx
@@ -1495,8 +1495,8 @@
         </p:nvSpPr>
         <p:spPr>
           <a:xfrm>
-            <a:off x="413658" y="2053165"/>
-            <a:ext cx="6188443" cy="3707022"/>
+            <a:off x="413657" y="2053165"/>
+            <a:ext cx="6776927" cy="4056690"/>
           </a:xfrm>
         </p:spPr>
         <p:txBody>
@@ -1506,34 +1506,39 @@
           <a:lstStyle/>
           <a:p>
             <a:r>
-              <a:rPr lang="pt-BR"/>
+              <a:rPr lang="pt-BR" sz="2000" dirty="0"/>
               <a:t>Graduado em Sistemas de Informação</a:t>
             </a:r>
           </a:p>
           <a:p>
             <a:r>
-              <a:rPr lang="pt-BR"/>
-              <a:t>Certificação Delphi Developer</a:t>
-            </a:r>
+              <a:rPr lang="pt-BR" sz="2000" dirty="0"/>
+              <a:t>Certificação Delphi </a:t>
+            </a:r>
+            <a:r>
+              <a:rPr lang="pt-BR" sz="2000" dirty="0" err="1"/>
+              <a:t>Developer</a:t>
+            </a:r>
+            <a:endParaRPr lang="pt-BR" sz="2000" dirty="0"/>
           </a:p>
           <a:p>
             <a:r>
-              <a:rPr lang="pt-BR"/>
+              <a:rPr lang="pt-BR" sz="2000" dirty="0"/>
               <a:t>8 anos de desenvolvimento Delphi</a:t>
             </a:r>
           </a:p>
           <a:p>
             <a:r>
-              <a:rPr lang="pt-BR"/>
+              <a:rPr lang="pt-BR" sz="2000" dirty="0"/>
               <a:t>Pós graduação em Arquitetura de Software</a:t>
             </a:r>
           </a:p>
           <a:p>
-            <a:endParaRPr lang="pt-BR"/>
+            <a:endParaRPr lang="pt-BR" sz="2000" dirty="0"/>
           </a:p>
           <a:p>
             <a:r>
-              <a:rPr lang="pt-BR"/>
+              <a:rPr lang="pt-BR" sz="2000" dirty="0"/>
               <a:t>Atualmente:</a:t>
             </a:r>
           </a:p>
@@ -1542,28 +1547,37 @@
               <a:buNone/>
             </a:pPr>
             <a:r>
-              <a:rPr lang="pt-BR"/>
-              <a:t>          Membro da comunidade Hashload</a:t>
-            </a:r>
+              <a:rPr lang="pt-BR" sz="2000" dirty="0"/>
+              <a:t>          Membro da comunidade </a:t>
+            </a:r>
+            <a:r>
+              <a:rPr lang="pt-BR" sz="2000" dirty="0" err="1"/>
+              <a:t>Hashload</a:t>
+            </a:r>
+            <a:endParaRPr lang="pt-BR" sz="2000" dirty="0"/>
           </a:p>
           <a:p>
             <a:pPr marL="0" indent="0">
               <a:buNone/>
             </a:pPr>
             <a:r>
-              <a:rPr lang="pt-BR"/>
-              <a:t>          Escritor de artigos técnicos na Medium</a:t>
-            </a:r>
+              <a:rPr lang="pt-BR" sz="2000" dirty="0"/>
+              <a:t>          Escritor de artigos técnicos na </a:t>
+            </a:r>
+            <a:r>
+              <a:rPr lang="pt-BR" sz="2000" dirty="0" err="1"/>
+              <a:t>Medium</a:t>
+            </a:r>
+            <a:endParaRPr lang="pt-BR" sz="2000" dirty="0"/>
           </a:p>
           <a:p>
             <a:pPr marL="0" indent="0">
               <a:buNone/>
             </a:pPr>
             <a:r>
-              <a:rPr lang="pt-BR"/>
+              <a:rPr lang="pt-BR" sz="2000" dirty="0"/>
               <a:t>          Desenvolvedor Delphi na Fiorilli Software</a:t>
             </a:r>
-            <a:endParaRPr lang="pt-BR" dirty="0"/>
           </a:p>
         </p:txBody>
       </p:sp>
@@ -2191,91 +2205,93 @@
         </p:nvSpPr>
         <p:spPr/>
         <p:txBody>
-          <a:bodyPr/>
+          <a:bodyPr>
+            <a:normAutofit/>
+          </a:bodyPr>
           <a:lstStyle/>
           <a:p>
             <a:r>
-              <a:rPr lang="pt-BR" dirty="0"/>
+              <a:rPr lang="pt-BR" sz="2000" dirty="0"/>
               <a:t>O </a:t>
             </a:r>
             <a:r>
-              <a:rPr lang="pt-BR" dirty="0" err="1"/>
+              <a:rPr lang="pt-BR" sz="2000" dirty="0" err="1"/>
               <a:t>Horse</a:t>
             </a:r>
             <a:r>
-              <a:rPr lang="pt-BR" dirty="0"/>
+              <a:rPr lang="pt-BR" sz="2000" dirty="0"/>
               <a:t> serve apenas para pequenos projetos?</a:t>
             </a:r>
           </a:p>
           <a:p>
             <a:r>
-              <a:rPr lang="pt-BR" dirty="0"/>
+              <a:rPr lang="pt-BR" sz="2000" dirty="0"/>
               <a:t>Por onde começar?</a:t>
             </a:r>
           </a:p>
           <a:p>
             <a:r>
-              <a:rPr lang="pt-BR" dirty="0"/>
+              <a:rPr lang="pt-BR" sz="2000" dirty="0"/>
               <a:t>Posso usar ORM?</a:t>
             </a:r>
           </a:p>
           <a:p>
             <a:r>
-              <a:rPr lang="pt-BR" dirty="0"/>
+              <a:rPr lang="pt-BR" sz="2000" dirty="0"/>
               <a:t>Posso usar orientação a objetos?</a:t>
             </a:r>
           </a:p>
           <a:p>
             <a:r>
-              <a:rPr lang="pt-BR" dirty="0"/>
+              <a:rPr lang="pt-BR" sz="2000" dirty="0"/>
               <a:t>Possui suporte ao HTTPS?</a:t>
             </a:r>
           </a:p>
           <a:p>
             <a:r>
-              <a:rPr lang="pt-BR" dirty="0"/>
+              <a:rPr lang="pt-BR" sz="2000" dirty="0"/>
               <a:t>O </a:t>
             </a:r>
             <a:r>
-              <a:rPr lang="pt-BR" dirty="0" err="1"/>
+              <a:rPr lang="pt-BR" sz="2000" dirty="0" err="1"/>
               <a:t>Horse</a:t>
             </a:r>
             <a:r>
-              <a:rPr lang="pt-BR" dirty="0"/>
+              <a:rPr lang="pt-BR" sz="2000" dirty="0"/>
               <a:t> é </a:t>
             </a:r>
             <a:r>
-              <a:rPr lang="pt-BR" dirty="0" err="1"/>
+              <a:rPr lang="pt-BR" sz="2000" dirty="0" err="1"/>
               <a:t>RESTFul</a:t>
             </a:r>
             <a:r>
-              <a:rPr lang="pt-BR" dirty="0"/>
+              <a:rPr lang="pt-BR" sz="2000" dirty="0"/>
               <a:t>?</a:t>
             </a:r>
           </a:p>
           <a:p>
             <a:r>
-              <a:rPr lang="pt-BR" dirty="0"/>
+              <a:rPr lang="pt-BR" sz="2000" dirty="0"/>
               <a:t>Posso criar meu próprio middleware?</a:t>
             </a:r>
           </a:p>
           <a:p>
             <a:r>
-              <a:rPr lang="pt-BR" dirty="0"/>
+              <a:rPr lang="pt-BR" sz="2000" dirty="0"/>
               <a:t>Posso contribuir com o projeto?</a:t>
             </a:r>
           </a:p>
           <a:p>
             <a:r>
-              <a:rPr lang="pt-BR" dirty="0"/>
+              <a:rPr lang="pt-BR" sz="2000" dirty="0"/>
               <a:t>Porque usar o </a:t>
             </a:r>
             <a:r>
-              <a:rPr lang="pt-BR" dirty="0" err="1"/>
+              <a:rPr lang="pt-BR" sz="2000" dirty="0" err="1"/>
               <a:t>Horse</a:t>
             </a:r>
             <a:r>
-              <a:rPr lang="pt-BR" dirty="0"/>
+              <a:rPr lang="pt-BR" sz="2000" dirty="0"/>
               <a:t>?</a:t>
             </a:r>
           </a:p>
@@ -2283,10 +2299,10 @@
             <a:pPr marL="0" indent="0">
               <a:buNone/>
             </a:pPr>
-            <a:endParaRPr lang="pt-BR" dirty="0"/>
+            <a:endParaRPr lang="pt-BR" sz="2000" dirty="0"/>
           </a:p>
           <a:p>
-            <a:endParaRPr lang="pt-BR" dirty="0"/>
+            <a:endParaRPr lang="pt-BR" sz="2000" dirty="0"/>
           </a:p>
         </p:txBody>
       </p:sp>
@@ -2800,6 +2816,42 @@
           </a:prstGeom>
         </p:spPr>
       </p:pic>
+      <p:pic>
+        <p:nvPicPr>
+          <p:cNvPr id="4" name="Imagem 3" descr="Código QR&#10;&#10;Descrição gerada automaticamente">
+            <a:extLst>
+              <a:ext uri="{FF2B5EF4-FFF2-40B4-BE49-F238E27FC236}">
+                <a16:creationId xmlns:a16="http://schemas.microsoft.com/office/drawing/2014/main" id="{ADC57876-5D5C-4C9C-BE61-E90DA904FD87}"/>
+              </a:ext>
+            </a:extLst>
+          </p:cNvPr>
+          <p:cNvPicPr>
+            <a:picLocks noChangeAspect="1"/>
+          </p:cNvPicPr>
+          <p:nvPr/>
+        </p:nvPicPr>
+        <p:blipFill>
+          <a:blip r:embed="rId3">
+            <a:extLst>
+              <a:ext uri="{28A0092B-C50C-407E-A947-70E740481C1C}">
+                <a14:useLocalDpi xmlns:a14="http://schemas.microsoft.com/office/drawing/2010/main" val="0"/>
+              </a:ext>
+            </a:extLst>
+          </a:blip>
+          <a:stretch>
+            <a:fillRect/>
+          </a:stretch>
+        </p:blipFill>
+        <p:spPr>
+          <a:xfrm>
+            <a:off x="10540259" y="4828050"/>
+            <a:ext cx="1432922" cy="1857545"/>
+          </a:xfrm>
+          <a:prstGeom prst="rect">
+            <a:avLst/>
+          </a:prstGeom>
+        </p:spPr>
+      </p:pic>
     </p:spTree>
     <p:extLst>
       <p:ext uri="{BB962C8B-B14F-4D97-AF65-F5344CB8AC3E}">
@@ -3787,10 +3839,10 @@
       </p:sp>
       <p:pic>
         <p:nvPicPr>
-          <p:cNvPr id="21" name="Imagem 20" descr="Código QR&#10;&#10;Descrição gerada automaticamente">
-            <a:extLst>
-              <a:ext uri="{FF2B5EF4-FFF2-40B4-BE49-F238E27FC236}">
-                <a16:creationId xmlns:a16="http://schemas.microsoft.com/office/drawing/2014/main" id="{74F29625-4111-4F3D-9F62-6C93E765D2B2}"/>
+          <p:cNvPr id="3" name="Imagem 2" descr="Código QR&#10;&#10;Descrição gerada automaticamente">
+            <a:extLst>
+              <a:ext uri="{FF2B5EF4-FFF2-40B4-BE49-F238E27FC236}">
+                <a16:creationId xmlns:a16="http://schemas.microsoft.com/office/drawing/2014/main" id="{45F8F328-B0B6-4B4E-A31A-2C421C6D3BE6}"/>
               </a:ext>
             </a:extLst>
           </p:cNvPr>
@@ -3813,8 +3865,8 @@
         </p:blipFill>
         <p:spPr>
           <a:xfrm>
-            <a:off x="10290348" y="212401"/>
-            <a:ext cx="1669865" cy="2164702"/>
+            <a:off x="10366682" y="183891"/>
+            <a:ext cx="1591495" cy="2063108"/>
           </a:xfrm>
           <a:prstGeom prst="rect">
             <a:avLst/>
@@ -4130,21 +4182,6 @@
 </file>
 
 <file path=customXml/item1.xml><?xml version="1.0" encoding="utf-8"?>
-<p:properties xmlns:p="http://schemas.microsoft.com/office/2006/metadata/properties" xmlns:xsi="http://www.w3.org/2001/XMLSchema-instance" xmlns:pc="http://schemas.microsoft.com/office/infopath/2007/PartnerControls">
-  <documentManagement/>
-</p:properties>
-</file>
-
-<file path=customXml/item2.xml><?xml version="1.0" encoding="utf-8"?>
-<?mso-contentType ?>
-<FormTemplates xmlns="http://schemas.microsoft.com/sharepoint/v3/contenttype/forms">
-  <Display>DocumentLibraryForm</Display>
-  <Edit>DocumentLibraryForm</Edit>
-  <New>DocumentLibraryForm</New>
-</FormTemplates>
-</file>
-
-<file path=customXml/item3.xml><?xml version="1.0" encoding="utf-8"?>
 <ct:contentTypeSchema xmlns:ct="http://schemas.microsoft.com/office/2006/metadata/contentType" xmlns:ma="http://schemas.microsoft.com/office/2006/metadata/properties/metaAttributes" ct:_="" ma:_="" ma:contentTypeName="Documento" ma:contentTypeID="0x010100CD9438EC9C5993469CF61A1F46C57B83" ma:contentTypeVersion="10" ma:contentTypeDescription="Crie um novo documento." ma:contentTypeScope="" ma:versionID="62080b6bd8e6f4b26a868cd797796634">
   <xsd:schema xmlns:xsd="http://www.w3.org/2001/XMLSchema" xmlns:xs="http://www.w3.org/2001/XMLSchema" xmlns:p="http://schemas.microsoft.com/office/2006/metadata/properties" xmlns:ns3="35a886c1-c068-49eb-8a69-44d892a80394" targetNamespace="http://schemas.microsoft.com/office/2006/metadata/properties" ma:root="true" ma:fieldsID="a47701105542557c98ccc6d374aa4798" ns3:_="">
     <xsd:import namespace="35a886c1-c068-49eb-8a69-44d892a80394"/>
@@ -4328,31 +4365,22 @@
 </ct:contentTypeSchema>
 </file>
 
-<file path=customXml/itemProps1.xml><?xml version="1.0" encoding="utf-8"?>
-<ds:datastoreItem xmlns:ds="http://schemas.openxmlformats.org/officeDocument/2006/customXml" ds:itemID="{FC13E19B-D56E-4327-A7E7-9A2C893B5877}">
-  <ds:schemaRefs>
-    <ds:schemaRef ds:uri="http://www.w3.org/XML/1998/namespace"/>
-    <ds:schemaRef ds:uri="http://purl.org/dc/dcmitype/"/>
-    <ds:schemaRef ds:uri="35a886c1-c068-49eb-8a69-44d892a80394"/>
-    <ds:schemaRef ds:uri="http://schemas.microsoft.com/office/infopath/2007/PartnerControls"/>
-    <ds:schemaRef ds:uri="http://schemas.microsoft.com/office/2006/documentManagement/types"/>
-    <ds:schemaRef ds:uri="http://purl.org/dc/terms/"/>
-    <ds:schemaRef ds:uri="http://purl.org/dc/elements/1.1/"/>
-    <ds:schemaRef ds:uri="http://schemas.openxmlformats.org/package/2006/metadata/core-properties"/>
-    <ds:schemaRef ds:uri="http://schemas.microsoft.com/office/2006/metadata/properties"/>
-  </ds:schemaRefs>
-</ds:datastoreItem>
+<file path=customXml/item2.xml><?xml version="1.0" encoding="utf-8"?>
+<?mso-contentType ?>
+<FormTemplates xmlns="http://schemas.microsoft.com/sharepoint/v3/contenttype/forms">
+  <Display>DocumentLibraryForm</Display>
+  <Edit>DocumentLibraryForm</Edit>
+  <New>DocumentLibraryForm</New>
+</FormTemplates>
 </file>
 
-<file path=customXml/itemProps2.xml><?xml version="1.0" encoding="utf-8"?>
-<ds:datastoreItem xmlns:ds="http://schemas.openxmlformats.org/officeDocument/2006/customXml" ds:itemID="{74453037-89E6-495B-97DC-7EFBB7414780}">
-  <ds:schemaRefs>
-    <ds:schemaRef ds:uri="http://schemas.microsoft.com/sharepoint/v3/contenttype/forms"/>
-  </ds:schemaRefs>
-</ds:datastoreItem>
+<file path=customXml/item3.xml><?xml version="1.0" encoding="utf-8"?>
+<p:properties xmlns:p="http://schemas.microsoft.com/office/2006/metadata/properties" xmlns:xsi="http://www.w3.org/2001/XMLSchema-instance" xmlns:pc="http://schemas.microsoft.com/office/infopath/2007/PartnerControls">
+  <documentManagement/>
+</p:properties>
 </file>
 
-<file path=customXml/itemProps3.xml><?xml version="1.0" encoding="utf-8"?>
+<file path=customXml/itemProps1.xml><?xml version="1.0" encoding="utf-8"?>
 <ds:datastoreItem xmlns:ds="http://schemas.openxmlformats.org/officeDocument/2006/customXml" ds:itemID="{2DCA0572-8200-4C6D-ADE1-517BB2689EB3}">
   <ds:schemaRefs>
     <ds:schemaRef ds:uri="http://schemas.microsoft.com/office/2006/metadata/contentType"/>
@@ -4368,4 +4396,28 @@
     <ds:schemaRef ds:uri="http://schemas.microsoft.com/internal/obd"/>
   </ds:schemaRefs>
 </ds:datastoreItem>
+</file>
+
+<file path=customXml/itemProps2.xml><?xml version="1.0" encoding="utf-8"?>
+<ds:datastoreItem xmlns:ds="http://schemas.openxmlformats.org/officeDocument/2006/customXml" ds:itemID="{74453037-89E6-495B-97DC-7EFBB7414780}">
+  <ds:schemaRefs>
+    <ds:schemaRef ds:uri="http://schemas.microsoft.com/sharepoint/v3/contenttype/forms"/>
+  </ds:schemaRefs>
+</ds:datastoreItem>
+</file>
+
+<file path=customXml/itemProps3.xml><?xml version="1.0" encoding="utf-8"?>
+<ds:datastoreItem xmlns:ds="http://schemas.openxmlformats.org/officeDocument/2006/customXml" ds:itemID="{FC13E19B-D56E-4327-A7E7-9A2C893B5877}">
+  <ds:schemaRefs>
+    <ds:schemaRef ds:uri="http://www.w3.org/XML/1998/namespace"/>
+    <ds:schemaRef ds:uri="http://purl.org/dc/dcmitype/"/>
+    <ds:schemaRef ds:uri="35a886c1-c068-49eb-8a69-44d892a80394"/>
+    <ds:schemaRef ds:uri="http://schemas.microsoft.com/office/infopath/2007/PartnerControls"/>
+    <ds:schemaRef ds:uri="http://schemas.microsoft.com/office/2006/documentManagement/types"/>
+    <ds:schemaRef ds:uri="http://purl.org/dc/terms/"/>
+    <ds:schemaRef ds:uri="http://purl.org/dc/elements/1.1/"/>
+    <ds:schemaRef ds:uri="http://schemas.openxmlformats.org/package/2006/metadata/core-properties"/>
+    <ds:schemaRef ds:uri="http://schemas.microsoft.com/office/2006/metadata/properties"/>
+  </ds:schemaRefs>
+</ds:datastoreItem>
 </file>